--- a/07. Exam/00-Introduction-To-Cyber-Security-Coursework.pptx
+++ b/07. Exam/00-Introduction-To-Cyber-Security-Coursework.pptx
@@ -10217,7 +10217,23 @@
             </a:pPr>
             <a:r>
               <a:rPr lang="en-US" sz="3600" b="1" dirty="0"/>
-              <a:t>2.1. Yes / No</a:t>
+              <a:t>2.1. </a:t>
+            </a:r>
+            <a:r>
+              <a:rPr lang="en-US" sz="3600" b="1" dirty="0">
+                <a:solidFill>
+                  <a:schemeClr val="bg1"/>
+                </a:solidFill>
+              </a:rPr>
+              <a:t>Yes</a:t>
+            </a:r>
+            <a:r>
+              <a:rPr lang="en-US" sz="3600" b="1" dirty="0"/>
+              <a:t> / </a:t>
+            </a:r>
+            <a:r>
+              <a:rPr lang="en-US" sz="3600" b="1" strike="dblStrike" dirty="0"/>
+              <a:t>No</a:t>
             </a:r>
           </a:p>
           <a:p>
@@ -10231,7 +10247,23 @@
             </a:pPr>
             <a:r>
               <a:rPr lang="en-US" sz="3600" b="1" dirty="0"/>
-              <a:t>2.2. Yes / No</a:t>
+              <a:t>2.2. </a:t>
+            </a:r>
+            <a:r>
+              <a:rPr lang="en-US" sz="3600" b="1" dirty="0">
+                <a:solidFill>
+                  <a:schemeClr val="bg1"/>
+                </a:solidFill>
+              </a:rPr>
+              <a:t>Yes</a:t>
+            </a:r>
+            <a:r>
+              <a:rPr lang="en-US" sz="3600" b="1" dirty="0"/>
+              <a:t> / </a:t>
+            </a:r>
+            <a:r>
+              <a:rPr lang="en-US" sz="3600" b="1" strike="dblStrike" dirty="0"/>
+              <a:t>No</a:t>
             </a:r>
           </a:p>
           <a:p>
@@ -10245,7 +10277,23 @@
             </a:pPr>
             <a:r>
               <a:rPr lang="en-US" sz="3600" b="1" dirty="0"/>
-              <a:t>2.3. Yes / No</a:t>
+              <a:t>2.3. </a:t>
+            </a:r>
+            <a:r>
+              <a:rPr lang="en-US" sz="3600" b="1" dirty="0">
+                <a:solidFill>
+                  <a:schemeClr val="bg1"/>
+                </a:solidFill>
+              </a:rPr>
+              <a:t>Yes</a:t>
+            </a:r>
+            <a:r>
+              <a:rPr lang="en-US" sz="3600" b="1" dirty="0"/>
+              <a:t> / </a:t>
+            </a:r>
+            <a:r>
+              <a:rPr lang="en-US" sz="3600" b="1" strike="dblStrike" dirty="0"/>
+              <a:t>No</a:t>
             </a:r>
           </a:p>
           <a:p>
@@ -10259,7 +10307,23 @@
             </a:pPr>
             <a:r>
               <a:rPr lang="en-US" sz="3600" b="1" dirty="0"/>
-              <a:t>2.4. Yes / No</a:t>
+              <a:t>2.4. </a:t>
+            </a:r>
+            <a:r>
+              <a:rPr lang="en-US" sz="3600" b="1" dirty="0">
+                <a:solidFill>
+                  <a:schemeClr val="bg1"/>
+                </a:solidFill>
+              </a:rPr>
+              <a:t>Yes</a:t>
+            </a:r>
+            <a:r>
+              <a:rPr lang="en-US" sz="3600" b="1" dirty="0"/>
+              <a:t> / </a:t>
+            </a:r>
+            <a:r>
+              <a:rPr lang="en-US" sz="3600" b="1" strike="dblStrike" dirty="0"/>
+              <a:t>No</a:t>
             </a:r>
           </a:p>
           <a:p>
@@ -10273,7 +10337,23 @@
             </a:pPr>
             <a:r>
               <a:rPr lang="en-US" sz="3600" b="1" dirty="0"/>
-              <a:t>2.5. Yes / No</a:t>
+              <a:t>2.5. </a:t>
+            </a:r>
+            <a:r>
+              <a:rPr lang="en-US" sz="3600" b="1" dirty="0">
+                <a:solidFill>
+                  <a:schemeClr val="bg1"/>
+                </a:solidFill>
+              </a:rPr>
+              <a:t>Yes</a:t>
+            </a:r>
+            <a:r>
+              <a:rPr lang="en-US" sz="3600" b="1" dirty="0"/>
+              <a:t> / </a:t>
+            </a:r>
+            <a:r>
+              <a:rPr lang="en-US" sz="3600" b="1" strike="dblStrike" dirty="0"/>
+              <a:t>No</a:t>
             </a:r>
           </a:p>
           <a:p>
@@ -10887,16 +10967,7 @@
                 </a:solidFill>
                 <a:latin typeface="Calibri"/>
               </a:rPr>
-              <a:t>of the following </a:t>
-            </a:r>
-            <a:r>
-              <a:rPr lang="en-US" sz="3600" b="0" strike="noStrike" spc="-1">
-                <a:solidFill>
-                  <a:srgbClr val="234465"/>
-                </a:solidFill>
-                <a:latin typeface="Calibri"/>
-              </a:rPr>
-              <a:t>strings?</a:t>
+              <a:t>of the following strings?</a:t>
             </a:r>
           </a:p>
           <a:p>
@@ -10916,7 +10987,7 @@
               <a:buNone/>
             </a:pPr>
             <a:r>
-              <a:rPr lang="en-US" sz="3600" b="0" strike="noStrike" spc="-1">
+              <a:rPr lang="en-US" sz="3600" b="0" strike="noStrike" spc="-1" dirty="0">
                 <a:solidFill>
                   <a:srgbClr val="234465"/>
                 </a:solidFill>
@@ -10924,12 +10995,6 @@
               </a:rPr>
               <a:t> </a:t>
             </a:r>
-            <a:endParaRPr lang="en-US" sz="3600" b="0" strike="noStrike" spc="-1" dirty="0">
-              <a:solidFill>
-                <a:srgbClr val="234465"/>
-              </a:solidFill>
-              <a:latin typeface="Calibri"/>
-            </a:endParaRPr>
           </a:p>
           <a:p>
             <a:pPr>
@@ -10953,8 +11018,18 @@
                 </a:solidFill>
                 <a:latin typeface="Calibri"/>
               </a:rPr>
-              <a:t>3.1. Answer is: …</a:t>
-            </a:r>
+              <a:t>3.1. Answer is: </a:t>
+            </a:r>
+            <a:r>
+              <a:rPr lang="en-US" sz="3600" dirty="0"/>
+              <a:t>Hello</a:t>
+            </a:r>
+            <a:endParaRPr lang="en-US" sz="3600" b="1" spc="-1" dirty="0">
+              <a:solidFill>
+                <a:srgbClr val="234465"/>
+              </a:solidFill>
+              <a:latin typeface="Calibri"/>
+            </a:endParaRPr>
           </a:p>
           <a:p>
             <a:pPr>
@@ -10978,8 +11053,18 @@
                 </a:solidFill>
                 <a:latin typeface="Calibri"/>
               </a:rPr>
-              <a:t>3.2. Answer is: …</a:t>
-            </a:r>
+              <a:t>3.2. Answer is: </a:t>
+            </a:r>
+            <a:r>
+              <a:rPr lang="en-US" sz="3600" dirty="0"/>
+              <a:t>Excel</a:t>
+            </a:r>
+            <a:endParaRPr lang="en-US" sz="3600" b="1" spc="-1" dirty="0">
+              <a:solidFill>
+                <a:srgbClr val="234465"/>
+              </a:solidFill>
+              <a:latin typeface="Calibri"/>
+            </a:endParaRPr>
           </a:p>
           <a:p>
             <a:pPr>
@@ -11003,8 +11088,18 @@
                 </a:solidFill>
                 <a:latin typeface="Calibri"/>
               </a:rPr>
-              <a:t>3.3. Answer is: …</a:t>
-            </a:r>
+              <a:t>3.3. Answer is: </a:t>
+            </a:r>
+            <a:r>
+              <a:rPr lang="en-US" sz="3600" dirty="0"/>
+              <a:t>Phishing</a:t>
+            </a:r>
+            <a:endParaRPr lang="en-US" sz="3600" b="1" spc="-1" dirty="0">
+              <a:solidFill>
+                <a:srgbClr val="234465"/>
+              </a:solidFill>
+              <a:latin typeface="Calibri"/>
+            </a:endParaRPr>
           </a:p>
           <a:p>
             <a:pPr>
@@ -11028,8 +11123,18 @@
                 </a:solidFill>
                 <a:latin typeface="Calibri"/>
               </a:rPr>
-              <a:t>3.4. Answer is: …</a:t>
-            </a:r>
+              <a:t>3.4. Answer is: </a:t>
+            </a:r>
+            <a:r>
+              <a:rPr lang="en-US" sz="3600" dirty="0"/>
+              <a:t>Data</a:t>
+            </a:r>
+            <a:endParaRPr lang="en-US" sz="3600" b="1" spc="-1" dirty="0">
+              <a:solidFill>
+                <a:srgbClr val="234465"/>
+              </a:solidFill>
+              <a:latin typeface="Calibri"/>
+            </a:endParaRPr>
           </a:p>
           <a:p>
             <a:pPr>
@@ -11053,8 +11158,18 @@
                 </a:solidFill>
                 <a:latin typeface="Calibri"/>
               </a:rPr>
-              <a:t>3.5. Answer is: …</a:t>
-            </a:r>
+              <a:t>3.5. Answer is: </a:t>
+            </a:r>
+            <a:r>
+              <a:rPr lang="en-US" sz="3600" dirty="0"/>
+              <a:t>Automation</a:t>
+            </a:r>
+            <a:endParaRPr lang="en-US" sz="3600" b="1" spc="-1" dirty="0">
+              <a:solidFill>
+                <a:srgbClr val="234465"/>
+              </a:solidFill>
+              <a:latin typeface="Calibri"/>
+            </a:endParaRPr>
           </a:p>
         </p:txBody>
       </p:sp>
@@ -14076,12 +14191,14 @@
 </file>
 
 <file path=customXml/item1.xml><?xml version="1.0" encoding="utf-8"?>
-<?mso-contentType ?>
-<FormTemplates xmlns="http://schemas.microsoft.com/sharepoint/v3/contenttype/forms">
-  <Display>DocumentLibraryForm</Display>
-  <Edit>DocumentLibraryForm</Edit>
-  <New>DocumentLibraryForm</New>
-</FormTemplates>
+<p:properties xmlns:p="http://schemas.microsoft.com/office/2006/metadata/properties" xmlns:xsi="http://www.w3.org/2001/XMLSchema-instance" xmlns:pc="http://schemas.microsoft.com/office/infopath/2007/PartnerControls">
+  <documentManagement>
+    <TaxCatchAll xmlns="b7aee57a-33bc-479a-b375-2a9789967078" xsi:nil="true"/>
+    <lcf76f155ced4ddcb4097134ff3c332f xmlns="d0d25b69-8e68-4841-9284-bd8f9504d222">
+      <Terms xmlns="http://schemas.microsoft.com/office/infopath/2007/PartnerControls"/>
+    </lcf76f155ced4ddcb4097134ff3c332f>
+  </documentManagement>
+</p:properties>
 </file>
 
 <file path=customXml/item2.xml><?xml version="1.0" encoding="utf-8"?>
@@ -14334,20 +14451,21 @@
 </file>
 
 <file path=customXml/item3.xml><?xml version="1.0" encoding="utf-8"?>
-<p:properties xmlns:p="http://schemas.microsoft.com/office/2006/metadata/properties" xmlns:xsi="http://www.w3.org/2001/XMLSchema-instance" xmlns:pc="http://schemas.microsoft.com/office/infopath/2007/PartnerControls">
-  <documentManagement>
-    <TaxCatchAll xmlns="b7aee57a-33bc-479a-b375-2a9789967078" xsi:nil="true"/>
-    <lcf76f155ced4ddcb4097134ff3c332f xmlns="d0d25b69-8e68-4841-9284-bd8f9504d222">
-      <Terms xmlns="http://schemas.microsoft.com/office/infopath/2007/PartnerControls"/>
-    </lcf76f155ced4ddcb4097134ff3c332f>
-  </documentManagement>
-</p:properties>
+<?mso-contentType ?>
+<FormTemplates xmlns="http://schemas.microsoft.com/sharepoint/v3/contenttype/forms">
+  <Display>DocumentLibraryForm</Display>
+  <Edit>DocumentLibraryForm</Edit>
+  <New>DocumentLibraryForm</New>
+</FormTemplates>
 </file>
 
 <file path=customXml/itemProps1.xml><?xml version="1.0" encoding="utf-8"?>
-<ds:datastoreItem xmlns:ds="http://schemas.openxmlformats.org/officeDocument/2006/customXml" ds:itemID="{68A20BEC-F81B-49CD-951D-E62C4BAE7796}">
+<ds:datastoreItem xmlns:ds="http://schemas.openxmlformats.org/officeDocument/2006/customXml" ds:itemID="{5E2F4A33-1866-4BB8-8A35-8D6BDFE8D9F5}">
   <ds:schemaRefs>
-    <ds:schemaRef ds:uri="http://schemas.microsoft.com/sharepoint/v3/contenttype/forms"/>
+    <ds:schemaRef ds:uri="http://schemas.microsoft.com/office/2006/metadata/properties"/>
+    <ds:schemaRef ds:uri="http://schemas.microsoft.com/office/infopath/2007/PartnerControls"/>
+    <ds:schemaRef ds:uri="b7aee57a-33bc-479a-b375-2a9789967078"/>
+    <ds:schemaRef ds:uri="d0d25b69-8e68-4841-9284-bd8f9504d222"/>
   </ds:schemaRefs>
 </ds:datastoreItem>
 </file>
@@ -14372,12 +14490,9 @@
 </file>
 
 <file path=customXml/itemProps3.xml><?xml version="1.0" encoding="utf-8"?>
-<ds:datastoreItem xmlns:ds="http://schemas.openxmlformats.org/officeDocument/2006/customXml" ds:itemID="{5E2F4A33-1866-4BB8-8A35-8D6BDFE8D9F5}">
+<ds:datastoreItem xmlns:ds="http://schemas.openxmlformats.org/officeDocument/2006/customXml" ds:itemID="{68A20BEC-F81B-49CD-951D-E62C4BAE7796}">
   <ds:schemaRefs>
-    <ds:schemaRef ds:uri="http://schemas.microsoft.com/office/2006/metadata/properties"/>
-    <ds:schemaRef ds:uri="http://schemas.microsoft.com/office/infopath/2007/PartnerControls"/>
-    <ds:schemaRef ds:uri="b7aee57a-33bc-479a-b375-2a9789967078"/>
-    <ds:schemaRef ds:uri="d0d25b69-8e68-4841-9284-bd8f9504d222"/>
+    <ds:schemaRef ds:uri="http://schemas.microsoft.com/sharepoint/v3/contenttype/forms"/>
   </ds:schemaRefs>
 </ds:datastoreItem>
 </file>